--- a/人工智能/学习笔记/第二课/1.02偏差方差.pptx
+++ b/人工智能/学习笔记/第二课/1.02偏差方差.pptx
@@ -3047,7 +3047,7 @@
             </a:r>
             <a:r>
               <a:rPr lang="zh-CN" altLang="en-US">
-                <a:hlinkClick r:id="rId1" tooltip="" action="ppaction://hlinkfile"/>
+                <a:hlinkClick r:id="rId1" action="ppaction://hlinkfile"/>
               </a:rPr>
               <a:t>百度百科</a:t>
             </a:r>
@@ -3071,7 +3071,7 @@
             </a:r>
             <a:r>
               <a:rPr lang="zh-CN" altLang="en-US">
-                <a:hlinkClick r:id="rId2" tooltip="" action="ppaction://hlinkfile"/>
+                <a:hlinkClick r:id="rId2" action="ppaction://hlinkfile"/>
               </a:rPr>
               <a:t>百度百科</a:t>
             </a:r>
@@ -3209,7 +3209,7 @@
         </p:blipFill>
         <p:spPr>
           <a:xfrm>
-            <a:off x="377190" y="526415"/>
+            <a:off x="376555" y="526415"/>
             <a:ext cx="2080260" cy="1851660"/>
           </a:xfrm>
           <a:prstGeom prst="rect">
@@ -3240,7 +3240,7 @@
           <a:p>
             <a:r>
               <a:rPr lang="zh-CN" altLang="en-US"/>
-              <a:t>比如果在含有隐藏层的网络中，我们可以拟合出右图的曲线来，但是这个曲线看起来不错，其实不然，我们说这样的曲线方差较高，数据过度拟合，因为可以看到，对于数据中的极个别的点，曲线也去拟合，将会导致整体数据方差增大。</a:t>
+              <a:t>比如在含有隐藏层的网络中，我们可以拟合出右图的曲线来，但是这个曲线看起来不错，其实不然，我们说这样的曲线方差较高，数据过度拟合，因为可以看到，对于数据中的极个别的点，曲线也去拟合，将会导致整体数据方差增大。</a:t>
             </a:r>
             <a:endParaRPr lang="zh-CN" altLang="en-US"/>
           </a:p>
@@ -3711,7 +3711,7 @@
             </a:r>
             <a:r>
               <a:rPr lang="zh-CN" altLang="en-US"/>
-              <a:t>（也称贝叶斯误差）。加入我们人类的误差是</a:t>
+              <a:t>（也称贝叶斯误差）。假如我们人类的误差是</a:t>
             </a:r>
             <a:r>
               <a:rPr lang="en-US" altLang="zh-CN"/>
